--- a/Präsentation Projektmanagement.pptx
+++ b/Präsentation Projektmanagement.pptx
@@ -5,7 +5,7 @@
     <p:sldMasterId id="2147483686" r:id="rId1"/>
   </p:sldMasterIdLst>
   <p:notesMasterIdLst>
-    <p:notesMasterId r:id="rId23"/>
+    <p:notesMasterId r:id="rId27"/>
   </p:notesMasterIdLst>
   <p:sldIdLst>
     <p:sldId id="256" r:id="rId2"/>
@@ -26,9 +26,13 @@
     <p:sldId id="271" r:id="rId17"/>
     <p:sldId id="272" r:id="rId18"/>
     <p:sldId id="277" r:id="rId19"/>
-    <p:sldId id="274" r:id="rId20"/>
-    <p:sldId id="275" r:id="rId21"/>
-    <p:sldId id="276" r:id="rId22"/>
+    <p:sldId id="278" r:id="rId20"/>
+    <p:sldId id="279" r:id="rId21"/>
+    <p:sldId id="280" r:id="rId22"/>
+    <p:sldId id="281" r:id="rId23"/>
+    <p:sldId id="274" r:id="rId24"/>
+    <p:sldId id="275" r:id="rId25"/>
+    <p:sldId id="276" r:id="rId26"/>
   </p:sldIdLst>
   <p:sldSz cx="12192000" cy="6858000"/>
   <p:notesSz cx="6858000" cy="9144000"/>
@@ -217,7 +221,7 @@
           <a:p>
             <a:fld id="{A51CB669-0E4E-4CBD-A7FD-CE719C000352}" type="datetimeFigureOut">
               <a:rPr lang="de-DE" smtClean="0"/>
-              <a:t>08.11.2021</a:t>
+              <a:t>09.11.2021</a:t>
             </a:fld>
             <a:endParaRPr lang="de-DE"/>
           </a:p>
@@ -1400,7 +1404,7 @@
           <a:p>
             <a:r>
               <a:rPr lang="de-DE" dirty="0"/>
-              <a:t>Fabian</a:t>
+              <a:t>Daniel</a:t>
             </a:r>
           </a:p>
         </p:txBody>
@@ -1431,7 +1435,7 @@
     </p:spTree>
     <p:extLst>
       <p:ext uri="{BB962C8B-B14F-4D97-AF65-F5344CB8AC3E}">
-        <p14:creationId xmlns:p14="http://schemas.microsoft.com/office/powerpoint/2010/main" val="3288700098"/>
+        <p14:creationId xmlns:p14="http://schemas.microsoft.com/office/powerpoint/2010/main" val="3209302270"/>
       </p:ext>
     </p:extLst>
   </p:cSld>
@@ -1574,7 +1578,7 @@
           <a:p>
             <a:r>
               <a:rPr lang="de-DE" dirty="0"/>
-              <a:t>Fabian</a:t>
+              <a:t>Daniel</a:t>
             </a:r>
           </a:p>
         </p:txBody>
@@ -1605,7 +1609,7 @@
     </p:spTree>
     <p:extLst>
       <p:ext uri="{BB962C8B-B14F-4D97-AF65-F5344CB8AC3E}">
-        <p14:creationId xmlns:p14="http://schemas.microsoft.com/office/powerpoint/2010/main" val="1583310237"/>
+        <p14:creationId xmlns:p14="http://schemas.microsoft.com/office/powerpoint/2010/main" val="1005016470"/>
       </p:ext>
     </p:extLst>
   </p:cSld>
@@ -1661,7 +1665,7 @@
           <a:p>
             <a:r>
               <a:rPr lang="de-DE" dirty="0"/>
-              <a:t>Fabian</a:t>
+              <a:t>Daniel</a:t>
             </a:r>
           </a:p>
         </p:txBody>
@@ -1684,6 +1688,354 @@
             <a:fld id="{72E391D9-B2EB-4459-8C9E-131F95C24B4A}" type="slidenum">
               <a:rPr lang="de-DE" smtClean="0"/>
               <a:t>21</a:t>
+            </a:fld>
+            <a:endParaRPr lang="de-DE"/>
+          </a:p>
+        </p:txBody>
+      </p:sp>
+    </p:spTree>
+    <p:extLst>
+      <p:ext uri="{BB962C8B-B14F-4D97-AF65-F5344CB8AC3E}">
+        <p14:creationId xmlns:p14="http://schemas.microsoft.com/office/powerpoint/2010/main" val="1649588836"/>
+      </p:ext>
+    </p:extLst>
+  </p:cSld>
+  <p:clrMapOvr>
+    <a:masterClrMapping/>
+  </p:clrMapOvr>
+</p:notes>
+</file>
+
+<file path=ppt/notesSlides/notesSlide22.xml><?xml version="1.0" encoding="utf-8"?>
+<p:notes xmlns:a="http://schemas.openxmlformats.org/drawingml/2006/main" xmlns:r="http://schemas.openxmlformats.org/officeDocument/2006/relationships" xmlns:p="http://schemas.openxmlformats.org/presentationml/2006/main">
+  <p:cSld>
+    <p:spTree>
+      <p:nvGrpSpPr>
+        <p:cNvPr id="1" name=""/>
+        <p:cNvGrpSpPr/>
+        <p:nvPr/>
+      </p:nvGrpSpPr>
+      <p:grpSpPr>
+        <a:xfrm>
+          <a:off x="0" y="0"/>
+          <a:ext cx="0" cy="0"/>
+          <a:chOff x="0" y="0"/>
+          <a:chExt cx="0" cy="0"/>
+        </a:xfrm>
+      </p:grpSpPr>
+      <p:sp>
+        <p:nvSpPr>
+          <p:cNvPr id="2" name="Folienbildplatzhalter 1"/>
+          <p:cNvSpPr>
+            <a:spLocks noGrp="1" noRot="1" noChangeAspect="1"/>
+          </p:cNvSpPr>
+          <p:nvPr>
+            <p:ph type="sldImg"/>
+          </p:nvPr>
+        </p:nvSpPr>
+        <p:spPr/>
+      </p:sp>
+      <p:sp>
+        <p:nvSpPr>
+          <p:cNvPr id="3" name="Notizenplatzhalter 2"/>
+          <p:cNvSpPr>
+            <a:spLocks noGrp="1"/>
+          </p:cNvSpPr>
+          <p:nvPr>
+            <p:ph type="body" idx="1"/>
+          </p:nvPr>
+        </p:nvSpPr>
+        <p:spPr/>
+        <p:txBody>
+          <a:bodyPr/>
+          <a:lstStyle/>
+          <a:p>
+            <a:r>
+              <a:rPr lang="de-DE" dirty="0"/>
+              <a:t>Daniel</a:t>
+            </a:r>
+          </a:p>
+        </p:txBody>
+      </p:sp>
+      <p:sp>
+        <p:nvSpPr>
+          <p:cNvPr id="4" name="Foliennummernplatzhalter 3"/>
+          <p:cNvSpPr>
+            <a:spLocks noGrp="1"/>
+          </p:cNvSpPr>
+          <p:nvPr>
+            <p:ph type="sldNum" sz="quarter" idx="5"/>
+          </p:nvPr>
+        </p:nvSpPr>
+        <p:spPr/>
+        <p:txBody>
+          <a:bodyPr/>
+          <a:lstStyle/>
+          <a:p>
+            <a:fld id="{72E391D9-B2EB-4459-8C9E-131F95C24B4A}" type="slidenum">
+              <a:rPr lang="de-DE" smtClean="0"/>
+              <a:t>22</a:t>
+            </a:fld>
+            <a:endParaRPr lang="de-DE"/>
+          </a:p>
+        </p:txBody>
+      </p:sp>
+    </p:spTree>
+    <p:extLst>
+      <p:ext uri="{BB962C8B-B14F-4D97-AF65-F5344CB8AC3E}">
+        <p14:creationId xmlns:p14="http://schemas.microsoft.com/office/powerpoint/2010/main" val="879512188"/>
+      </p:ext>
+    </p:extLst>
+  </p:cSld>
+  <p:clrMapOvr>
+    <a:masterClrMapping/>
+  </p:clrMapOvr>
+</p:notes>
+</file>
+
+<file path=ppt/notesSlides/notesSlide23.xml><?xml version="1.0" encoding="utf-8"?>
+<p:notes xmlns:a="http://schemas.openxmlformats.org/drawingml/2006/main" xmlns:r="http://schemas.openxmlformats.org/officeDocument/2006/relationships" xmlns:p="http://schemas.openxmlformats.org/presentationml/2006/main">
+  <p:cSld>
+    <p:spTree>
+      <p:nvGrpSpPr>
+        <p:cNvPr id="1" name=""/>
+        <p:cNvGrpSpPr/>
+        <p:nvPr/>
+      </p:nvGrpSpPr>
+      <p:grpSpPr>
+        <a:xfrm>
+          <a:off x="0" y="0"/>
+          <a:ext cx="0" cy="0"/>
+          <a:chOff x="0" y="0"/>
+          <a:chExt cx="0" cy="0"/>
+        </a:xfrm>
+      </p:grpSpPr>
+      <p:sp>
+        <p:nvSpPr>
+          <p:cNvPr id="2" name="Folienbildplatzhalter 1"/>
+          <p:cNvSpPr>
+            <a:spLocks noGrp="1" noRot="1" noChangeAspect="1"/>
+          </p:cNvSpPr>
+          <p:nvPr>
+            <p:ph type="sldImg"/>
+          </p:nvPr>
+        </p:nvSpPr>
+        <p:spPr/>
+      </p:sp>
+      <p:sp>
+        <p:nvSpPr>
+          <p:cNvPr id="3" name="Notizenplatzhalter 2"/>
+          <p:cNvSpPr>
+            <a:spLocks noGrp="1"/>
+          </p:cNvSpPr>
+          <p:nvPr>
+            <p:ph type="body" idx="1"/>
+          </p:nvPr>
+        </p:nvSpPr>
+        <p:spPr/>
+        <p:txBody>
+          <a:bodyPr/>
+          <a:lstStyle/>
+          <a:p>
+            <a:r>
+              <a:rPr lang="de-DE" dirty="0"/>
+              <a:t>Fabian</a:t>
+            </a:r>
+          </a:p>
+        </p:txBody>
+      </p:sp>
+      <p:sp>
+        <p:nvSpPr>
+          <p:cNvPr id="4" name="Foliennummernplatzhalter 3"/>
+          <p:cNvSpPr>
+            <a:spLocks noGrp="1"/>
+          </p:cNvSpPr>
+          <p:nvPr>
+            <p:ph type="sldNum" sz="quarter" idx="5"/>
+          </p:nvPr>
+        </p:nvSpPr>
+        <p:spPr/>
+        <p:txBody>
+          <a:bodyPr/>
+          <a:lstStyle/>
+          <a:p>
+            <a:fld id="{72E391D9-B2EB-4459-8C9E-131F95C24B4A}" type="slidenum">
+              <a:rPr lang="de-DE" smtClean="0"/>
+              <a:t>23</a:t>
+            </a:fld>
+            <a:endParaRPr lang="de-DE"/>
+          </a:p>
+        </p:txBody>
+      </p:sp>
+    </p:spTree>
+    <p:extLst>
+      <p:ext uri="{BB962C8B-B14F-4D97-AF65-F5344CB8AC3E}">
+        <p14:creationId xmlns:p14="http://schemas.microsoft.com/office/powerpoint/2010/main" val="3288700098"/>
+      </p:ext>
+    </p:extLst>
+  </p:cSld>
+  <p:clrMapOvr>
+    <a:masterClrMapping/>
+  </p:clrMapOvr>
+</p:notes>
+</file>
+
+<file path=ppt/notesSlides/notesSlide24.xml><?xml version="1.0" encoding="utf-8"?>
+<p:notes xmlns:a="http://schemas.openxmlformats.org/drawingml/2006/main" xmlns:r="http://schemas.openxmlformats.org/officeDocument/2006/relationships" xmlns:p="http://schemas.openxmlformats.org/presentationml/2006/main">
+  <p:cSld>
+    <p:spTree>
+      <p:nvGrpSpPr>
+        <p:cNvPr id="1" name=""/>
+        <p:cNvGrpSpPr/>
+        <p:nvPr/>
+      </p:nvGrpSpPr>
+      <p:grpSpPr>
+        <a:xfrm>
+          <a:off x="0" y="0"/>
+          <a:ext cx="0" cy="0"/>
+          <a:chOff x="0" y="0"/>
+          <a:chExt cx="0" cy="0"/>
+        </a:xfrm>
+      </p:grpSpPr>
+      <p:sp>
+        <p:nvSpPr>
+          <p:cNvPr id="2" name="Folienbildplatzhalter 1"/>
+          <p:cNvSpPr>
+            <a:spLocks noGrp="1" noRot="1" noChangeAspect="1"/>
+          </p:cNvSpPr>
+          <p:nvPr>
+            <p:ph type="sldImg"/>
+          </p:nvPr>
+        </p:nvSpPr>
+        <p:spPr/>
+      </p:sp>
+      <p:sp>
+        <p:nvSpPr>
+          <p:cNvPr id="3" name="Notizenplatzhalter 2"/>
+          <p:cNvSpPr>
+            <a:spLocks noGrp="1"/>
+          </p:cNvSpPr>
+          <p:nvPr>
+            <p:ph type="body" idx="1"/>
+          </p:nvPr>
+        </p:nvSpPr>
+        <p:spPr/>
+        <p:txBody>
+          <a:bodyPr/>
+          <a:lstStyle/>
+          <a:p>
+            <a:r>
+              <a:rPr lang="de-DE" dirty="0"/>
+              <a:t>Fabian</a:t>
+            </a:r>
+          </a:p>
+        </p:txBody>
+      </p:sp>
+      <p:sp>
+        <p:nvSpPr>
+          <p:cNvPr id="4" name="Foliennummernplatzhalter 3"/>
+          <p:cNvSpPr>
+            <a:spLocks noGrp="1"/>
+          </p:cNvSpPr>
+          <p:nvPr>
+            <p:ph type="sldNum" sz="quarter" idx="5"/>
+          </p:nvPr>
+        </p:nvSpPr>
+        <p:spPr/>
+        <p:txBody>
+          <a:bodyPr/>
+          <a:lstStyle/>
+          <a:p>
+            <a:fld id="{72E391D9-B2EB-4459-8C9E-131F95C24B4A}" type="slidenum">
+              <a:rPr lang="de-DE" smtClean="0"/>
+              <a:t>24</a:t>
+            </a:fld>
+            <a:endParaRPr lang="de-DE"/>
+          </a:p>
+        </p:txBody>
+      </p:sp>
+    </p:spTree>
+    <p:extLst>
+      <p:ext uri="{BB962C8B-B14F-4D97-AF65-F5344CB8AC3E}">
+        <p14:creationId xmlns:p14="http://schemas.microsoft.com/office/powerpoint/2010/main" val="1583310237"/>
+      </p:ext>
+    </p:extLst>
+  </p:cSld>
+  <p:clrMapOvr>
+    <a:masterClrMapping/>
+  </p:clrMapOvr>
+</p:notes>
+</file>
+
+<file path=ppt/notesSlides/notesSlide25.xml><?xml version="1.0" encoding="utf-8"?>
+<p:notes xmlns:a="http://schemas.openxmlformats.org/drawingml/2006/main" xmlns:r="http://schemas.openxmlformats.org/officeDocument/2006/relationships" xmlns:p="http://schemas.openxmlformats.org/presentationml/2006/main">
+  <p:cSld>
+    <p:spTree>
+      <p:nvGrpSpPr>
+        <p:cNvPr id="1" name=""/>
+        <p:cNvGrpSpPr/>
+        <p:nvPr/>
+      </p:nvGrpSpPr>
+      <p:grpSpPr>
+        <a:xfrm>
+          <a:off x="0" y="0"/>
+          <a:ext cx="0" cy="0"/>
+          <a:chOff x="0" y="0"/>
+          <a:chExt cx="0" cy="0"/>
+        </a:xfrm>
+      </p:grpSpPr>
+      <p:sp>
+        <p:nvSpPr>
+          <p:cNvPr id="2" name="Folienbildplatzhalter 1"/>
+          <p:cNvSpPr>
+            <a:spLocks noGrp="1" noRot="1" noChangeAspect="1"/>
+          </p:cNvSpPr>
+          <p:nvPr>
+            <p:ph type="sldImg"/>
+          </p:nvPr>
+        </p:nvSpPr>
+        <p:spPr/>
+      </p:sp>
+      <p:sp>
+        <p:nvSpPr>
+          <p:cNvPr id="3" name="Notizenplatzhalter 2"/>
+          <p:cNvSpPr>
+            <a:spLocks noGrp="1"/>
+          </p:cNvSpPr>
+          <p:nvPr>
+            <p:ph type="body" idx="1"/>
+          </p:nvPr>
+        </p:nvSpPr>
+        <p:spPr/>
+        <p:txBody>
+          <a:bodyPr/>
+          <a:lstStyle/>
+          <a:p>
+            <a:r>
+              <a:rPr lang="de-DE" dirty="0"/>
+              <a:t>Fabian</a:t>
+            </a:r>
+          </a:p>
+        </p:txBody>
+      </p:sp>
+      <p:sp>
+        <p:nvSpPr>
+          <p:cNvPr id="4" name="Foliennummernplatzhalter 3"/>
+          <p:cNvSpPr>
+            <a:spLocks noGrp="1"/>
+          </p:cNvSpPr>
+          <p:nvPr>
+            <p:ph type="sldNum" sz="quarter" idx="5"/>
+          </p:nvPr>
+        </p:nvSpPr>
+        <p:spPr/>
+        <p:txBody>
+          <a:bodyPr/>
+          <a:lstStyle/>
+          <a:p>
+            <a:fld id="{72E391D9-B2EB-4459-8C9E-131F95C24B4A}" type="slidenum">
+              <a:rPr lang="de-DE" smtClean="0"/>
+              <a:t>25</a:t>
             </a:fld>
             <a:endParaRPr lang="de-DE"/>
           </a:p>
@@ -2462,7 +2814,7 @@
           <a:p>
             <a:fld id="{2F3E8B1C-86EF-43CF-8304-249481088644}" type="datetimeFigureOut">
               <a:rPr lang="en-US" smtClean="0"/>
-              <a:t>11/8/2021</a:t>
+              <a:t>11/9/2021</a:t>
             </a:fld>
             <a:endParaRPr lang="en-US"/>
           </a:p>
@@ -2660,7 +3012,7 @@
           <a:p>
             <a:fld id="{2F3E8B1C-86EF-43CF-8304-249481088644}" type="datetimeFigureOut">
               <a:rPr lang="en-US" smtClean="0"/>
-              <a:t>11/8/2021</a:t>
+              <a:t>11/9/2021</a:t>
             </a:fld>
             <a:endParaRPr lang="en-US"/>
           </a:p>
@@ -2868,7 +3220,7 @@
           <a:p>
             <a:fld id="{2F3E8B1C-86EF-43CF-8304-249481088644}" type="datetimeFigureOut">
               <a:rPr lang="en-US" smtClean="0"/>
-              <a:t>11/8/2021</a:t>
+              <a:t>11/9/2021</a:t>
             </a:fld>
             <a:endParaRPr lang="en-US"/>
           </a:p>
@@ -3066,7 +3418,7 @@
           <a:p>
             <a:fld id="{2F3E8B1C-86EF-43CF-8304-249481088644}" type="datetimeFigureOut">
               <a:rPr lang="en-US" smtClean="0"/>
-              <a:t>11/8/2021</a:t>
+              <a:t>11/9/2021</a:t>
             </a:fld>
             <a:endParaRPr lang="en-US"/>
           </a:p>
@@ -3341,7 +3693,7 @@
           <a:p>
             <a:fld id="{2F3E8B1C-86EF-43CF-8304-249481088644}" type="datetimeFigureOut">
               <a:rPr lang="en-US" smtClean="0"/>
-              <a:t>11/8/2021</a:t>
+              <a:t>11/9/2021</a:t>
             </a:fld>
             <a:endParaRPr lang="en-US"/>
           </a:p>
@@ -3611,7 +3963,7 @@
           <a:p>
             <a:fld id="{2F3E8B1C-86EF-43CF-8304-249481088644}" type="datetimeFigureOut">
               <a:rPr lang="en-US" smtClean="0"/>
-              <a:t>11/8/2021</a:t>
+              <a:t>11/9/2021</a:t>
             </a:fld>
             <a:endParaRPr lang="en-US"/>
           </a:p>
@@ -4031,7 +4383,7 @@
           <a:p>
             <a:fld id="{2F3E8B1C-86EF-43CF-8304-249481088644}" type="datetimeFigureOut">
               <a:rPr lang="en-US" smtClean="0"/>
-              <a:t>11/8/2021</a:t>
+              <a:t>11/9/2021</a:t>
             </a:fld>
             <a:endParaRPr lang="en-US"/>
           </a:p>
@@ -4172,7 +4524,7 @@
           <a:p>
             <a:fld id="{2F3E8B1C-86EF-43CF-8304-249481088644}" type="datetimeFigureOut">
               <a:rPr lang="en-US" smtClean="0"/>
-              <a:t>11/8/2021</a:t>
+              <a:t>11/9/2021</a:t>
             </a:fld>
             <a:endParaRPr lang="en-US"/>
           </a:p>
@@ -4285,7 +4637,7 @@
           <a:p>
             <a:fld id="{2F3E8B1C-86EF-43CF-8304-249481088644}" type="datetimeFigureOut">
               <a:rPr lang="en-US" smtClean="0"/>
-              <a:t>11/8/2021</a:t>
+              <a:t>11/9/2021</a:t>
             </a:fld>
             <a:endParaRPr lang="en-US"/>
           </a:p>
@@ -4596,7 +4948,7 @@
           <a:p>
             <a:fld id="{2F3E8B1C-86EF-43CF-8304-249481088644}" type="datetimeFigureOut">
               <a:rPr lang="en-US" smtClean="0"/>
-              <a:t>11/8/2021</a:t>
+              <a:t>11/9/2021</a:t>
             </a:fld>
             <a:endParaRPr lang="en-US"/>
           </a:p>
@@ -4884,7 +5236,7 @@
           <a:p>
             <a:fld id="{2F3E8B1C-86EF-43CF-8304-249481088644}" type="datetimeFigureOut">
               <a:rPr lang="en-US" smtClean="0"/>
-              <a:t>11/8/2021</a:t>
+              <a:t>11/9/2021</a:t>
             </a:fld>
             <a:endParaRPr lang="en-US"/>
           </a:p>
@@ -5130,7 +5482,7 @@
             <a:fld id="{2F3E8B1C-86EF-43CF-8304-249481088644}" type="datetimeFigureOut">
               <a:rPr lang="en-US" smtClean="0"/>
               <a:pPr/>
-              <a:t>11/8/2021</a:t>
+              <a:t>11/9/2021</a:t>
             </a:fld>
             <a:endParaRPr lang="en-US" dirty="0"/>
           </a:p>
@@ -8694,10 +9046,10 @@
       </p:grpSpPr>
       <p:sp>
         <p:nvSpPr>
-          <p:cNvPr id="7" name="Titel 6">
-            <a:extLst>
-              <a:ext uri="{FF2B5EF4-FFF2-40B4-BE49-F238E27FC236}">
-                <a16:creationId xmlns:a16="http://schemas.microsoft.com/office/drawing/2014/main" id="{AF476DC5-1A8D-4EA9-AD20-2E08EF522884}"/>
+          <p:cNvPr id="2" name="Titel 1">
+            <a:extLst>
+              <a:ext uri="{FF2B5EF4-FFF2-40B4-BE49-F238E27FC236}">
+                <a16:creationId xmlns:a16="http://schemas.microsoft.com/office/drawing/2014/main" id="{6062CA73-CD75-46C3-AE97-6B2912565837}"/>
               </a:ext>
             </a:extLst>
           </p:cNvPr>
@@ -8708,124 +9060,136 @@
             <p:ph type="title"/>
           </p:nvPr>
         </p:nvSpPr>
-        <p:spPr>
-          <a:xfrm>
-            <a:off x="678426" y="781665"/>
-            <a:ext cx="5044135" cy="1223452"/>
-          </a:xfrm>
-        </p:spPr>
+        <p:spPr/>
+        <p:txBody>
+          <a:bodyPr/>
+          <a:lstStyle/>
+          <a:p>
+            <a:r>
+              <a:rPr lang="de-DE" dirty="0">
+                <a:latin typeface="Times New Roman" panose="02020603050405020304" pitchFamily="18" charset="0"/>
+                <a:cs typeface="Times New Roman" panose="02020603050405020304" pitchFamily="18" charset="0"/>
+              </a:rPr>
+              <a:t>Meeting</a:t>
+            </a:r>
+          </a:p>
+        </p:txBody>
+      </p:sp>
+      <p:sp>
+        <p:nvSpPr>
+          <p:cNvPr id="3" name="Inhaltsplatzhalter 2">
+            <a:extLst>
+              <a:ext uri="{FF2B5EF4-FFF2-40B4-BE49-F238E27FC236}">
+                <a16:creationId xmlns:a16="http://schemas.microsoft.com/office/drawing/2014/main" id="{99FF27B4-8CF0-4C28-AB96-AFC7511E6736}"/>
+              </a:ext>
+            </a:extLst>
+          </p:cNvPr>
+          <p:cNvSpPr>
+            <a:spLocks noGrp="1"/>
+          </p:cNvSpPr>
+          <p:nvPr>
+            <p:ph idx="1"/>
+          </p:nvPr>
+        </p:nvSpPr>
+        <p:spPr/>
         <p:txBody>
           <a:bodyPr>
             <a:normAutofit/>
           </a:bodyPr>
           <a:lstStyle/>
           <a:p>
-            <a:r>
-              <a:rPr lang="de-DE" sz="4000" dirty="0">
-                <a:latin typeface="Times New Roman" panose="02020603050405020304" pitchFamily="18" charset="0"/>
-                <a:cs typeface="Times New Roman" panose="02020603050405020304" pitchFamily="18" charset="0"/>
-              </a:rPr>
-              <a:t>Unser Vorgehen</a:t>
-            </a:r>
-          </a:p>
-        </p:txBody>
-      </p:sp>
-      <p:sp>
-        <p:nvSpPr>
-          <p:cNvPr id="9" name="Textplatzhalter 8">
-            <a:extLst>
-              <a:ext uri="{FF2B5EF4-FFF2-40B4-BE49-F238E27FC236}">
-                <a16:creationId xmlns:a16="http://schemas.microsoft.com/office/drawing/2014/main" id="{99935FB8-E98C-484E-B160-B68915885EFC}"/>
-              </a:ext>
-            </a:extLst>
-          </p:cNvPr>
-          <p:cNvSpPr>
-            <a:spLocks noGrp="1"/>
-          </p:cNvSpPr>
-          <p:nvPr>
-            <p:ph type="body" sz="half" idx="2"/>
-          </p:nvPr>
-        </p:nvSpPr>
-        <p:spPr/>
-        <p:txBody>
-          <a:bodyPr/>
-          <a:lstStyle/>
-          <a:p>
-            <a:pPr marL="285750" indent="-285750">
+            <a:pPr marL="0" indent="0">
+              <a:buNone/>
+            </a:pPr>
+            <a:r>
+              <a:rPr lang="de-DE" sz="2200" b="1" dirty="0">
+                <a:latin typeface="Times New Roman" panose="02020603050405020304" pitchFamily="18" charset="0"/>
+                <a:cs typeface="Times New Roman" panose="02020603050405020304" pitchFamily="18" charset="0"/>
+              </a:rPr>
+              <a:t>Weitere Arten von </a:t>
+            </a:r>
+            <a:r>
+              <a:rPr lang="de-DE" sz="2200" b="1" dirty="0" err="1">
+                <a:latin typeface="Times New Roman" panose="02020603050405020304" pitchFamily="18" charset="0"/>
+                <a:cs typeface="Times New Roman" panose="02020603050405020304" pitchFamily="18" charset="0"/>
+              </a:rPr>
+              <a:t>Scrum</a:t>
+            </a:r>
+            <a:r>
+              <a:rPr lang="de-DE" sz="2200" b="1" dirty="0">
+                <a:latin typeface="Times New Roman" panose="02020603050405020304" pitchFamily="18" charset="0"/>
+                <a:cs typeface="Times New Roman" panose="02020603050405020304" pitchFamily="18" charset="0"/>
+              </a:rPr>
+              <a:t> Meetings:</a:t>
+            </a:r>
+          </a:p>
+          <a:p>
+            <a:pPr>
               <a:buFont typeface="Wingdings" panose="05000000000000000000" pitchFamily="2" charset="2"/>
               <a:buChar char="Ø"/>
             </a:pPr>
             <a:r>
+              <a:rPr lang="de-DE" sz="2200" dirty="0">
+                <a:latin typeface="Times New Roman" panose="02020603050405020304" pitchFamily="18" charset="0"/>
+                <a:cs typeface="Times New Roman" panose="02020603050405020304" pitchFamily="18" charset="0"/>
+              </a:rPr>
+              <a:t>Sprint </a:t>
+            </a:r>
+            <a:r>
               <a:rPr lang="de-DE" sz="2200" dirty="0" err="1">
                 <a:latin typeface="Times New Roman" panose="02020603050405020304" pitchFamily="18" charset="0"/>
                 <a:cs typeface="Times New Roman" panose="02020603050405020304" pitchFamily="18" charset="0"/>
               </a:rPr>
-              <a:t>Scrum</a:t>
-            </a:r>
-            <a:r>
-              <a:rPr lang="de-DE" sz="2200" dirty="0">
-                <a:latin typeface="Times New Roman" panose="02020603050405020304" pitchFamily="18" charset="0"/>
-                <a:cs typeface="Times New Roman" panose="02020603050405020304" pitchFamily="18" charset="0"/>
-              </a:rPr>
-              <a:t> Rollen nicht zu 100 % eingehalten</a:t>
-            </a:r>
-          </a:p>
-          <a:p>
-            <a:pPr marL="285750" indent="-285750">
-              <a:buFont typeface="Wingdings" panose="05000000000000000000" pitchFamily="2" charset="2"/>
-              <a:buChar char="Ø"/>
-            </a:pPr>
-            <a:r>
-              <a:rPr lang="de-DE" sz="2200" dirty="0">
-                <a:latin typeface="Times New Roman" panose="02020603050405020304" pitchFamily="18" charset="0"/>
-                <a:cs typeface="Times New Roman" panose="02020603050405020304" pitchFamily="18" charset="0"/>
-              </a:rPr>
-              <a:t>Wechsel der Rollen im Team</a:t>
-            </a:r>
-          </a:p>
-          <a:p>
-            <a:pPr marL="285750" indent="-285750">
-              <a:buFont typeface="Wingdings" panose="05000000000000000000" pitchFamily="2" charset="2"/>
-              <a:buChar char="Ø"/>
-            </a:pPr>
-            <a:r>
-              <a:rPr lang="de-DE" sz="2200" dirty="0">
-                <a:latin typeface="Times New Roman" panose="02020603050405020304" pitchFamily="18" charset="0"/>
-                <a:cs typeface="Times New Roman" panose="02020603050405020304" pitchFamily="18" charset="0"/>
-              </a:rPr>
-              <a:t>Wöchentliche Meetings über </a:t>
-            </a:r>
-            <a:r>
-              <a:rPr lang="de-DE" sz="2200" dirty="0" err="1">
-                <a:latin typeface="Times New Roman" panose="02020603050405020304" pitchFamily="18" charset="0"/>
-                <a:cs typeface="Times New Roman" panose="02020603050405020304" pitchFamily="18" charset="0"/>
-              </a:rPr>
-              <a:t>Discord</a:t>
+              <a:t>Planning</a:t>
             </a:r>
             <a:endParaRPr lang="de-DE" sz="2200" dirty="0">
               <a:latin typeface="Times New Roman" panose="02020603050405020304" pitchFamily="18" charset="0"/>
               <a:cs typeface="Times New Roman" panose="02020603050405020304" pitchFamily="18" charset="0"/>
             </a:endParaRPr>
           </a:p>
+          <a:p>
+            <a:pPr>
+              <a:buFont typeface="Wingdings" panose="05000000000000000000" pitchFamily="2" charset="2"/>
+              <a:buChar char="Ø"/>
+            </a:pPr>
+            <a:r>
+              <a:rPr lang="de-DE" sz="2200" dirty="0">
+                <a:latin typeface="Times New Roman" panose="02020603050405020304" pitchFamily="18" charset="0"/>
+                <a:cs typeface="Times New Roman" panose="02020603050405020304" pitchFamily="18" charset="0"/>
+              </a:rPr>
+              <a:t>Sprint Review</a:t>
+            </a:r>
+          </a:p>
+          <a:p>
+            <a:pPr>
+              <a:buFont typeface="Wingdings" panose="05000000000000000000" pitchFamily="2" charset="2"/>
+              <a:buChar char="Ø"/>
+            </a:pPr>
+            <a:r>
+              <a:rPr lang="de-DE" sz="2200" dirty="0">
+                <a:latin typeface="Times New Roman" panose="02020603050405020304" pitchFamily="18" charset="0"/>
+                <a:cs typeface="Times New Roman" panose="02020603050405020304" pitchFamily="18" charset="0"/>
+              </a:rPr>
+              <a:t>Sprint Retrospektive</a:t>
+            </a:r>
+          </a:p>
         </p:txBody>
       </p:sp>
       <p:pic>
         <p:nvPicPr>
-          <p:cNvPr id="10" name="Inhaltsplatzhalter 9">
-            <a:extLst>
-              <a:ext uri="{FF2B5EF4-FFF2-40B4-BE49-F238E27FC236}">
-                <a16:creationId xmlns:a16="http://schemas.microsoft.com/office/drawing/2014/main" id="{78EE4CB7-EE66-4EE1-9203-9B9116C0EE41}"/>
+          <p:cNvPr id="4" name="Grafik 3" descr="Ein Bild, das Möbel, Tisch, Sitz, Stuhl enthält.&#10;&#10;Automatisch generierte Beschreibung">
+            <a:extLst>
+              <a:ext uri="{FF2B5EF4-FFF2-40B4-BE49-F238E27FC236}">
+                <a16:creationId xmlns:a16="http://schemas.microsoft.com/office/drawing/2014/main" id="{81F003A9-5149-4DE6-BBEE-DF749FD61218}"/>
               </a:ext>
             </a:extLst>
           </p:cNvPr>
           <p:cNvPicPr>
-            <a:picLocks noGrp="1" noChangeAspect="1"/>
+            <a:picLocks noChangeAspect="1"/>
           </p:cNvPicPr>
-          <p:nvPr>
-            <p:ph idx="1"/>
-          </p:nvPr>
+          <p:nvPr/>
         </p:nvPicPr>
-        <p:blipFill>
+        <p:blipFill rotWithShape="1">
           <a:blip r:embed="rId3">
             <a:extLst>
               <a:ext uri="{28A0092B-C50C-407E-A947-70E740481C1C}">
@@ -8833,24 +9197,47 @@
               </a:ext>
             </a:extLst>
           </a:blip>
-          <a:stretch>
-            <a:fillRect/>
-          </a:stretch>
+          <a:srcRect l="26363" t="6383" r="25273" b="16121"/>
+          <a:stretch/>
         </p:blipFill>
         <p:spPr>
           <a:xfrm>
-            <a:off x="6469441" y="1545281"/>
-            <a:ext cx="4603113" cy="4607011"/>
+            <a:off x="9559622" y="454430"/>
+            <a:ext cx="1832278" cy="1651461"/>
           </a:xfrm>
-          <a:prstGeom prst="rect">
-            <a:avLst/>
+          <a:prstGeom prst="roundRect">
+            <a:avLst>
+              <a:gd name="adj" fmla="val 16667"/>
+            </a:avLst>
           </a:prstGeom>
+          <a:ln>
+            <a:noFill/>
+          </a:ln>
+          <a:effectLst>
+            <a:outerShdw blurRad="76200" dist="38100" dir="7800000" algn="tl" rotWithShape="0">
+              <a:srgbClr val="000000">
+                <a:alpha val="40000"/>
+              </a:srgbClr>
+            </a:outerShdw>
+          </a:effectLst>
+          <a:scene3d>
+            <a:camera prst="orthographicFront"/>
+            <a:lightRig rig="contrasting" dir="t">
+              <a:rot lat="0" lon="0" rev="4200000"/>
+            </a:lightRig>
+          </a:scene3d>
+          <a:sp3d prstMaterial="plastic">
+            <a:bevelT w="381000" h="114300" prst="relaxedInset"/>
+            <a:contourClr>
+              <a:srgbClr val="969696"/>
+            </a:contourClr>
+          </a:sp3d>
         </p:spPr>
       </p:pic>
     </p:spTree>
     <p:extLst>
       <p:ext uri="{BB962C8B-B14F-4D97-AF65-F5344CB8AC3E}">
-        <p14:creationId xmlns:p14="http://schemas.microsoft.com/office/powerpoint/2010/main" val="3098232637"/>
+        <p14:creationId xmlns:p14="http://schemas.microsoft.com/office/powerpoint/2010/main" val="900564998"/>
       </p:ext>
     </p:extLst>
   </p:cSld>
@@ -9172,6 +9559,1043 @@
       </p:grpSpPr>
       <p:sp>
         <p:nvSpPr>
+          <p:cNvPr id="2" name="Titel 1">
+            <a:extLst>
+              <a:ext uri="{FF2B5EF4-FFF2-40B4-BE49-F238E27FC236}">
+                <a16:creationId xmlns:a16="http://schemas.microsoft.com/office/drawing/2014/main" id="{6062CA73-CD75-46C3-AE97-6B2912565837}"/>
+              </a:ext>
+            </a:extLst>
+          </p:cNvPr>
+          <p:cNvSpPr>
+            <a:spLocks noGrp="1"/>
+          </p:cNvSpPr>
+          <p:nvPr>
+            <p:ph type="title"/>
+          </p:nvPr>
+        </p:nvSpPr>
+        <p:spPr/>
+        <p:txBody>
+          <a:bodyPr/>
+          <a:lstStyle/>
+          <a:p>
+            <a:r>
+              <a:rPr lang="de-DE" dirty="0">
+                <a:latin typeface="Times New Roman" panose="02020603050405020304" pitchFamily="18" charset="0"/>
+                <a:cs typeface="Times New Roman" panose="02020603050405020304" pitchFamily="18" charset="0"/>
+              </a:rPr>
+              <a:t>Meeting</a:t>
+            </a:r>
+          </a:p>
+        </p:txBody>
+      </p:sp>
+      <p:sp>
+        <p:nvSpPr>
+          <p:cNvPr id="3" name="Inhaltsplatzhalter 2">
+            <a:extLst>
+              <a:ext uri="{FF2B5EF4-FFF2-40B4-BE49-F238E27FC236}">
+                <a16:creationId xmlns:a16="http://schemas.microsoft.com/office/drawing/2014/main" id="{99FF27B4-8CF0-4C28-AB96-AFC7511E6736}"/>
+              </a:ext>
+            </a:extLst>
+          </p:cNvPr>
+          <p:cNvSpPr>
+            <a:spLocks noGrp="1"/>
+          </p:cNvSpPr>
+          <p:nvPr>
+            <p:ph idx="1"/>
+          </p:nvPr>
+        </p:nvSpPr>
+        <p:spPr/>
+        <p:txBody>
+          <a:bodyPr>
+            <a:normAutofit/>
+          </a:bodyPr>
+          <a:lstStyle/>
+          <a:p>
+            <a:pPr marL="0" indent="0">
+              <a:buNone/>
+            </a:pPr>
+            <a:r>
+              <a:rPr lang="de-DE" sz="2200" b="1" dirty="0">
+                <a:latin typeface="Times New Roman" panose="02020603050405020304" pitchFamily="18" charset="0"/>
+                <a:cs typeface="Times New Roman" panose="02020603050405020304" pitchFamily="18" charset="0"/>
+              </a:rPr>
+              <a:t>Sprint </a:t>
+            </a:r>
+            <a:r>
+              <a:rPr lang="de-DE" sz="2200" b="1" dirty="0" err="1">
+                <a:latin typeface="Times New Roman" panose="02020603050405020304" pitchFamily="18" charset="0"/>
+                <a:cs typeface="Times New Roman" panose="02020603050405020304" pitchFamily="18" charset="0"/>
+              </a:rPr>
+              <a:t>Planning</a:t>
+            </a:r>
+            <a:endParaRPr lang="de-DE" sz="2200" b="1" dirty="0">
+              <a:latin typeface="Times New Roman" panose="02020603050405020304" pitchFamily="18" charset="0"/>
+              <a:cs typeface="Times New Roman" panose="02020603050405020304" pitchFamily="18" charset="0"/>
+            </a:endParaRPr>
+          </a:p>
+          <a:p>
+            <a:pPr>
+              <a:buFont typeface="Wingdings" panose="05000000000000000000" pitchFamily="2" charset="2"/>
+              <a:buChar char="Ø"/>
+            </a:pPr>
+            <a:r>
+              <a:rPr lang="de-DE" sz="2200" dirty="0">
+                <a:latin typeface="Times New Roman" panose="02020603050405020304" pitchFamily="18" charset="0"/>
+                <a:cs typeface="Times New Roman" panose="02020603050405020304" pitchFamily="18" charset="0"/>
+              </a:rPr>
+              <a:t>Teilnehmer: komplettes </a:t>
+            </a:r>
+            <a:r>
+              <a:rPr lang="de-DE" sz="2200" dirty="0" err="1">
+                <a:latin typeface="Times New Roman" panose="02020603050405020304" pitchFamily="18" charset="0"/>
+                <a:cs typeface="Times New Roman" panose="02020603050405020304" pitchFamily="18" charset="0"/>
+              </a:rPr>
+              <a:t>Scrum</a:t>
+            </a:r>
+            <a:r>
+              <a:rPr lang="de-DE" sz="2200" dirty="0">
+                <a:latin typeface="Times New Roman" panose="02020603050405020304" pitchFamily="18" charset="0"/>
+                <a:cs typeface="Times New Roman" panose="02020603050405020304" pitchFamily="18" charset="0"/>
+              </a:rPr>
+              <a:t>-Team</a:t>
+            </a:r>
+          </a:p>
+          <a:p>
+            <a:pPr>
+              <a:buFont typeface="Wingdings" panose="05000000000000000000" pitchFamily="2" charset="2"/>
+              <a:buChar char="Ø"/>
+            </a:pPr>
+            <a:r>
+              <a:rPr lang="de-DE" sz="2200" dirty="0">
+                <a:latin typeface="Times New Roman" panose="02020603050405020304" pitchFamily="18" charset="0"/>
+                <a:cs typeface="Times New Roman" panose="02020603050405020304" pitchFamily="18" charset="0"/>
+              </a:rPr>
+              <a:t>Es können weitere Teilnehmer wie der Stakeholder teilnehmen</a:t>
+            </a:r>
+            <a:endParaRPr lang="de-DE" dirty="0">
+              <a:latin typeface="Times New Roman" panose="02020603050405020304" pitchFamily="18" charset="0"/>
+              <a:cs typeface="Times New Roman" panose="02020603050405020304" pitchFamily="18" charset="0"/>
+            </a:endParaRPr>
+          </a:p>
+          <a:p>
+            <a:pPr lvl="1">
+              <a:buFont typeface="Wingdings" panose="05000000000000000000" pitchFamily="2" charset="2"/>
+              <a:buChar char="Ø"/>
+            </a:pPr>
+            <a:r>
+              <a:rPr lang="de-DE" sz="2000" dirty="0">
+                <a:latin typeface="Times New Roman" panose="02020603050405020304" pitchFamily="18" charset="0"/>
+                <a:cs typeface="Times New Roman" panose="02020603050405020304" pitchFamily="18" charset="0"/>
+              </a:rPr>
+              <a:t>Sind passiv am Meeting beteiligt</a:t>
+            </a:r>
+          </a:p>
+          <a:p>
+            <a:pPr>
+              <a:buFont typeface="Wingdings" panose="05000000000000000000" pitchFamily="2" charset="2"/>
+              <a:buChar char="Ø"/>
+            </a:pPr>
+            <a:r>
+              <a:rPr lang="de-DE" sz="2200" dirty="0">
+                <a:latin typeface="Times New Roman" panose="02020603050405020304" pitchFamily="18" charset="0"/>
+                <a:cs typeface="Times New Roman" panose="02020603050405020304" pitchFamily="18" charset="0"/>
+              </a:rPr>
+              <a:t>Der Product-</a:t>
+            </a:r>
+            <a:r>
+              <a:rPr lang="de-DE" sz="2200" dirty="0" err="1">
+                <a:latin typeface="Times New Roman" panose="02020603050405020304" pitchFamily="18" charset="0"/>
+                <a:cs typeface="Times New Roman" panose="02020603050405020304" pitchFamily="18" charset="0"/>
+              </a:rPr>
+              <a:t>Owner</a:t>
+            </a:r>
+            <a:r>
+              <a:rPr lang="de-DE" sz="2200" dirty="0">
+                <a:latin typeface="Times New Roman" panose="02020603050405020304" pitchFamily="18" charset="0"/>
+                <a:cs typeface="Times New Roman" panose="02020603050405020304" pitchFamily="18" charset="0"/>
+              </a:rPr>
+              <a:t> führt das Meeting an</a:t>
+            </a:r>
+          </a:p>
+          <a:p>
+            <a:pPr>
+              <a:buFont typeface="Wingdings" panose="05000000000000000000" pitchFamily="2" charset="2"/>
+              <a:buChar char="Ø"/>
+            </a:pPr>
+            <a:r>
+              <a:rPr lang="de-DE" sz="2200" dirty="0">
+                <a:latin typeface="Times New Roman" panose="02020603050405020304" pitchFamily="18" charset="0"/>
+                <a:cs typeface="Times New Roman" panose="02020603050405020304" pitchFamily="18" charset="0"/>
+              </a:rPr>
+              <a:t>Ziel: Planung vom Sprint-Ziele; angestrebte Produktinkrement und Sprint Backlog</a:t>
+            </a:r>
+          </a:p>
+        </p:txBody>
+      </p:sp>
+      <p:pic>
+        <p:nvPicPr>
+          <p:cNvPr id="4" name="Grafik 3" descr="Ein Bild, das Möbel, Tisch, Sitz, Stuhl enthält.&#10;&#10;Automatisch generierte Beschreibung">
+            <a:extLst>
+              <a:ext uri="{FF2B5EF4-FFF2-40B4-BE49-F238E27FC236}">
+                <a16:creationId xmlns:a16="http://schemas.microsoft.com/office/drawing/2014/main" id="{81F003A9-5149-4DE6-BBEE-DF749FD61218}"/>
+              </a:ext>
+            </a:extLst>
+          </p:cNvPr>
+          <p:cNvPicPr>
+            <a:picLocks noChangeAspect="1"/>
+          </p:cNvPicPr>
+          <p:nvPr/>
+        </p:nvPicPr>
+        <p:blipFill rotWithShape="1">
+          <a:blip r:embed="rId3">
+            <a:extLst>
+              <a:ext uri="{28A0092B-C50C-407E-A947-70E740481C1C}">
+                <a14:useLocalDpi xmlns:a14="http://schemas.microsoft.com/office/drawing/2010/main" val="0"/>
+              </a:ext>
+            </a:extLst>
+          </a:blip>
+          <a:srcRect l="26363" t="6383" r="25273" b="16121"/>
+          <a:stretch/>
+        </p:blipFill>
+        <p:spPr>
+          <a:xfrm>
+            <a:off x="9559622" y="454430"/>
+            <a:ext cx="1832278" cy="1651461"/>
+          </a:xfrm>
+          <a:prstGeom prst="roundRect">
+            <a:avLst>
+              <a:gd name="adj" fmla="val 16667"/>
+            </a:avLst>
+          </a:prstGeom>
+          <a:ln>
+            <a:noFill/>
+          </a:ln>
+          <a:effectLst>
+            <a:outerShdw blurRad="76200" dist="38100" dir="7800000" algn="tl" rotWithShape="0">
+              <a:srgbClr val="000000">
+                <a:alpha val="40000"/>
+              </a:srgbClr>
+            </a:outerShdw>
+          </a:effectLst>
+          <a:scene3d>
+            <a:camera prst="orthographicFront"/>
+            <a:lightRig rig="contrasting" dir="t">
+              <a:rot lat="0" lon="0" rev="4200000"/>
+            </a:lightRig>
+          </a:scene3d>
+          <a:sp3d prstMaterial="plastic">
+            <a:bevelT w="381000" h="114300" prst="relaxedInset"/>
+            <a:contourClr>
+              <a:srgbClr val="969696"/>
+            </a:contourClr>
+          </a:sp3d>
+        </p:spPr>
+      </p:pic>
+    </p:spTree>
+    <p:extLst>
+      <p:ext uri="{BB962C8B-B14F-4D97-AF65-F5344CB8AC3E}">
+        <p14:creationId xmlns:p14="http://schemas.microsoft.com/office/powerpoint/2010/main" val="1852203794"/>
+      </p:ext>
+    </p:extLst>
+  </p:cSld>
+  <p:clrMapOvr>
+    <a:masterClrMapping/>
+  </p:clrMapOvr>
+</p:sld>
+</file>
+
+<file path=ppt/slides/slide21.xml><?xml version="1.0" encoding="utf-8"?>
+<p:sld xmlns:a="http://schemas.openxmlformats.org/drawingml/2006/main" xmlns:r="http://schemas.openxmlformats.org/officeDocument/2006/relationships" xmlns:p="http://schemas.openxmlformats.org/presentationml/2006/main">
+  <p:cSld>
+    <p:bg>
+      <p:bgPr>
+        <a:solidFill>
+          <a:srgbClr val="C9BC9C">
+            <a:alpha val="50000"/>
+          </a:srgbClr>
+        </a:solidFill>
+        <a:effectLst/>
+      </p:bgPr>
+    </p:bg>
+    <p:spTree>
+      <p:nvGrpSpPr>
+        <p:cNvPr id="1" name=""/>
+        <p:cNvGrpSpPr/>
+        <p:nvPr/>
+      </p:nvGrpSpPr>
+      <p:grpSpPr>
+        <a:xfrm>
+          <a:off x="0" y="0"/>
+          <a:ext cx="0" cy="0"/>
+          <a:chOff x="0" y="0"/>
+          <a:chExt cx="0" cy="0"/>
+        </a:xfrm>
+      </p:grpSpPr>
+      <p:sp>
+        <p:nvSpPr>
+          <p:cNvPr id="2" name="Titel 1">
+            <a:extLst>
+              <a:ext uri="{FF2B5EF4-FFF2-40B4-BE49-F238E27FC236}">
+                <a16:creationId xmlns:a16="http://schemas.microsoft.com/office/drawing/2014/main" id="{6062CA73-CD75-46C3-AE97-6B2912565837}"/>
+              </a:ext>
+            </a:extLst>
+          </p:cNvPr>
+          <p:cNvSpPr>
+            <a:spLocks noGrp="1"/>
+          </p:cNvSpPr>
+          <p:nvPr>
+            <p:ph type="title"/>
+          </p:nvPr>
+        </p:nvSpPr>
+        <p:spPr/>
+        <p:txBody>
+          <a:bodyPr/>
+          <a:lstStyle/>
+          <a:p>
+            <a:r>
+              <a:rPr lang="de-DE" dirty="0">
+                <a:latin typeface="Times New Roman" panose="02020603050405020304" pitchFamily="18" charset="0"/>
+                <a:cs typeface="Times New Roman" panose="02020603050405020304" pitchFamily="18" charset="0"/>
+              </a:rPr>
+              <a:t>Meeting</a:t>
+            </a:r>
+          </a:p>
+        </p:txBody>
+      </p:sp>
+      <p:sp>
+        <p:nvSpPr>
+          <p:cNvPr id="3" name="Inhaltsplatzhalter 2">
+            <a:extLst>
+              <a:ext uri="{FF2B5EF4-FFF2-40B4-BE49-F238E27FC236}">
+                <a16:creationId xmlns:a16="http://schemas.microsoft.com/office/drawing/2014/main" id="{99FF27B4-8CF0-4C28-AB96-AFC7511E6736}"/>
+              </a:ext>
+            </a:extLst>
+          </p:cNvPr>
+          <p:cNvSpPr>
+            <a:spLocks noGrp="1"/>
+          </p:cNvSpPr>
+          <p:nvPr>
+            <p:ph idx="1"/>
+          </p:nvPr>
+        </p:nvSpPr>
+        <p:spPr/>
+        <p:txBody>
+          <a:bodyPr>
+            <a:normAutofit/>
+          </a:bodyPr>
+          <a:lstStyle/>
+          <a:p>
+            <a:pPr marL="0" indent="0">
+              <a:buNone/>
+            </a:pPr>
+            <a:r>
+              <a:rPr lang="de-DE" sz="2200" b="1" dirty="0">
+                <a:latin typeface="Times New Roman" panose="02020603050405020304" pitchFamily="18" charset="0"/>
+                <a:cs typeface="Times New Roman" panose="02020603050405020304" pitchFamily="18" charset="0"/>
+              </a:rPr>
+              <a:t>Sprint Review</a:t>
+            </a:r>
+          </a:p>
+          <a:p>
+            <a:pPr>
+              <a:buFont typeface="Wingdings" panose="05000000000000000000" pitchFamily="2" charset="2"/>
+              <a:buChar char="Ø"/>
+            </a:pPr>
+            <a:r>
+              <a:rPr lang="de-DE" sz="2200" dirty="0">
+                <a:latin typeface="Times New Roman" panose="02020603050405020304" pitchFamily="18" charset="0"/>
+                <a:cs typeface="Times New Roman" panose="02020603050405020304" pitchFamily="18" charset="0"/>
+              </a:rPr>
+              <a:t>Teilnehmer: komplettes </a:t>
+            </a:r>
+            <a:r>
+              <a:rPr lang="de-DE" sz="2200" dirty="0" err="1">
+                <a:latin typeface="Times New Roman" panose="02020603050405020304" pitchFamily="18" charset="0"/>
+                <a:cs typeface="Times New Roman" panose="02020603050405020304" pitchFamily="18" charset="0"/>
+              </a:rPr>
+              <a:t>Scrum</a:t>
+            </a:r>
+            <a:r>
+              <a:rPr lang="de-DE" sz="2200" dirty="0">
+                <a:latin typeface="Times New Roman" panose="02020603050405020304" pitchFamily="18" charset="0"/>
+                <a:cs typeface="Times New Roman" panose="02020603050405020304" pitchFamily="18" charset="0"/>
+              </a:rPr>
+              <a:t>-Team sowie wichtige Stakeholder</a:t>
+            </a:r>
+          </a:p>
+          <a:p>
+            <a:pPr>
+              <a:buFont typeface="Wingdings" panose="05000000000000000000" pitchFamily="2" charset="2"/>
+              <a:buChar char="Ø"/>
+            </a:pPr>
+            <a:r>
+              <a:rPr lang="de-DE" sz="2200" dirty="0">
+                <a:latin typeface="Times New Roman" panose="02020603050405020304" pitchFamily="18" charset="0"/>
+                <a:cs typeface="Times New Roman" panose="02020603050405020304" pitchFamily="18" charset="0"/>
+              </a:rPr>
+              <a:t>Der </a:t>
+            </a:r>
+            <a:r>
+              <a:rPr lang="de-DE" sz="2200" dirty="0" err="1">
+                <a:latin typeface="Times New Roman" panose="02020603050405020304" pitchFamily="18" charset="0"/>
+                <a:cs typeface="Times New Roman" panose="02020603050405020304" pitchFamily="18" charset="0"/>
+              </a:rPr>
+              <a:t>Scrum</a:t>
+            </a:r>
+            <a:r>
+              <a:rPr lang="de-DE" sz="2200" dirty="0">
+                <a:latin typeface="Times New Roman" panose="02020603050405020304" pitchFamily="18" charset="0"/>
+                <a:cs typeface="Times New Roman" panose="02020603050405020304" pitchFamily="18" charset="0"/>
+              </a:rPr>
+              <a:t> Master führt das Meeting an</a:t>
+            </a:r>
+          </a:p>
+          <a:p>
+            <a:pPr>
+              <a:buFont typeface="Wingdings" panose="05000000000000000000" pitchFamily="2" charset="2"/>
+              <a:buChar char="Ø"/>
+            </a:pPr>
+            <a:r>
+              <a:rPr lang="de-DE" sz="2200" dirty="0">
+                <a:latin typeface="Times New Roman" panose="02020603050405020304" pitchFamily="18" charset="0"/>
+                <a:cs typeface="Times New Roman" panose="02020603050405020304" pitchFamily="18" charset="0"/>
+              </a:rPr>
+              <a:t>Ziel: Ergebnisse vom abgelaufenen Sprint vorstellen</a:t>
+            </a:r>
+          </a:p>
+          <a:p>
+            <a:pPr lvl="1">
+              <a:buFont typeface="Wingdings" panose="05000000000000000000" pitchFamily="2" charset="2"/>
+              <a:buChar char="Ø"/>
+            </a:pPr>
+            <a:r>
+              <a:rPr lang="de-DE" sz="2000" dirty="0">
+                <a:latin typeface="Times New Roman" panose="02020603050405020304" pitchFamily="18" charset="0"/>
+                <a:cs typeface="Times New Roman" panose="02020603050405020304" pitchFamily="18" charset="0"/>
+              </a:rPr>
+              <a:t>Feedback Stakeholder</a:t>
+            </a:r>
+          </a:p>
+          <a:p>
+            <a:pPr lvl="1">
+              <a:buFont typeface="Wingdings" panose="05000000000000000000" pitchFamily="2" charset="2"/>
+              <a:buChar char="Ø"/>
+            </a:pPr>
+            <a:r>
+              <a:rPr lang="de-DE" sz="2000" dirty="0">
+                <a:latin typeface="Times New Roman" panose="02020603050405020304" pitchFamily="18" charset="0"/>
+                <a:cs typeface="Times New Roman" panose="02020603050405020304" pitchFamily="18" charset="0"/>
+              </a:rPr>
+              <a:t>Ablehnung oder Zustimmung des Arbeitsergebnis vom </a:t>
+            </a:r>
+            <a:r>
+              <a:rPr lang="de-DE" sz="2000" dirty="0" err="1">
+                <a:latin typeface="Times New Roman" panose="02020603050405020304" pitchFamily="18" charset="0"/>
+                <a:cs typeface="Times New Roman" panose="02020603050405020304" pitchFamily="18" charset="0"/>
+              </a:rPr>
+              <a:t>Product</a:t>
+            </a:r>
+            <a:r>
+              <a:rPr lang="de-DE" sz="2000" dirty="0">
+                <a:latin typeface="Times New Roman" panose="02020603050405020304" pitchFamily="18" charset="0"/>
+                <a:cs typeface="Times New Roman" panose="02020603050405020304" pitchFamily="18" charset="0"/>
+              </a:rPr>
+              <a:t> </a:t>
+            </a:r>
+            <a:r>
+              <a:rPr lang="de-DE" sz="2000" dirty="0" err="1">
+                <a:latin typeface="Times New Roman" panose="02020603050405020304" pitchFamily="18" charset="0"/>
+                <a:cs typeface="Times New Roman" panose="02020603050405020304" pitchFamily="18" charset="0"/>
+              </a:rPr>
+              <a:t>Owner</a:t>
+            </a:r>
+            <a:endParaRPr lang="de-DE" sz="2000" dirty="0">
+              <a:latin typeface="Times New Roman" panose="02020603050405020304" pitchFamily="18" charset="0"/>
+              <a:cs typeface="Times New Roman" panose="02020603050405020304" pitchFamily="18" charset="0"/>
+            </a:endParaRPr>
+          </a:p>
+        </p:txBody>
+      </p:sp>
+      <p:pic>
+        <p:nvPicPr>
+          <p:cNvPr id="4" name="Grafik 3" descr="Ein Bild, das Möbel, Tisch, Sitz, Stuhl enthält.&#10;&#10;Automatisch generierte Beschreibung">
+            <a:extLst>
+              <a:ext uri="{FF2B5EF4-FFF2-40B4-BE49-F238E27FC236}">
+                <a16:creationId xmlns:a16="http://schemas.microsoft.com/office/drawing/2014/main" id="{81F003A9-5149-4DE6-BBEE-DF749FD61218}"/>
+              </a:ext>
+            </a:extLst>
+          </p:cNvPr>
+          <p:cNvPicPr>
+            <a:picLocks noChangeAspect="1"/>
+          </p:cNvPicPr>
+          <p:nvPr/>
+        </p:nvPicPr>
+        <p:blipFill rotWithShape="1">
+          <a:blip r:embed="rId3">
+            <a:extLst>
+              <a:ext uri="{28A0092B-C50C-407E-A947-70E740481C1C}">
+                <a14:useLocalDpi xmlns:a14="http://schemas.microsoft.com/office/drawing/2010/main" val="0"/>
+              </a:ext>
+            </a:extLst>
+          </a:blip>
+          <a:srcRect l="26363" t="6383" r="25273" b="16121"/>
+          <a:stretch/>
+        </p:blipFill>
+        <p:spPr>
+          <a:xfrm>
+            <a:off x="9559622" y="454430"/>
+            <a:ext cx="1832278" cy="1651461"/>
+          </a:xfrm>
+          <a:prstGeom prst="roundRect">
+            <a:avLst>
+              <a:gd name="adj" fmla="val 16667"/>
+            </a:avLst>
+          </a:prstGeom>
+          <a:ln>
+            <a:noFill/>
+          </a:ln>
+          <a:effectLst>
+            <a:outerShdw blurRad="76200" dist="38100" dir="7800000" algn="tl" rotWithShape="0">
+              <a:srgbClr val="000000">
+                <a:alpha val="40000"/>
+              </a:srgbClr>
+            </a:outerShdw>
+          </a:effectLst>
+          <a:scene3d>
+            <a:camera prst="orthographicFront"/>
+            <a:lightRig rig="contrasting" dir="t">
+              <a:rot lat="0" lon="0" rev="4200000"/>
+            </a:lightRig>
+          </a:scene3d>
+          <a:sp3d prstMaterial="plastic">
+            <a:bevelT w="381000" h="114300" prst="relaxedInset"/>
+            <a:contourClr>
+              <a:srgbClr val="969696"/>
+            </a:contourClr>
+          </a:sp3d>
+        </p:spPr>
+      </p:pic>
+    </p:spTree>
+    <p:extLst>
+      <p:ext uri="{BB962C8B-B14F-4D97-AF65-F5344CB8AC3E}">
+        <p14:creationId xmlns:p14="http://schemas.microsoft.com/office/powerpoint/2010/main" val="2303084231"/>
+      </p:ext>
+    </p:extLst>
+  </p:cSld>
+  <p:clrMapOvr>
+    <a:masterClrMapping/>
+  </p:clrMapOvr>
+</p:sld>
+</file>
+
+<file path=ppt/slides/slide22.xml><?xml version="1.0" encoding="utf-8"?>
+<p:sld xmlns:a="http://schemas.openxmlformats.org/drawingml/2006/main" xmlns:r="http://schemas.openxmlformats.org/officeDocument/2006/relationships" xmlns:p="http://schemas.openxmlformats.org/presentationml/2006/main">
+  <p:cSld>
+    <p:bg>
+      <p:bgPr>
+        <a:solidFill>
+          <a:srgbClr val="C9BC9C">
+            <a:alpha val="50000"/>
+          </a:srgbClr>
+        </a:solidFill>
+        <a:effectLst/>
+      </p:bgPr>
+    </p:bg>
+    <p:spTree>
+      <p:nvGrpSpPr>
+        <p:cNvPr id="1" name=""/>
+        <p:cNvGrpSpPr/>
+        <p:nvPr/>
+      </p:nvGrpSpPr>
+      <p:grpSpPr>
+        <a:xfrm>
+          <a:off x="0" y="0"/>
+          <a:ext cx="0" cy="0"/>
+          <a:chOff x="0" y="0"/>
+          <a:chExt cx="0" cy="0"/>
+        </a:xfrm>
+      </p:grpSpPr>
+      <p:sp>
+        <p:nvSpPr>
+          <p:cNvPr id="2" name="Titel 1">
+            <a:extLst>
+              <a:ext uri="{FF2B5EF4-FFF2-40B4-BE49-F238E27FC236}">
+                <a16:creationId xmlns:a16="http://schemas.microsoft.com/office/drawing/2014/main" id="{6062CA73-CD75-46C3-AE97-6B2912565837}"/>
+              </a:ext>
+            </a:extLst>
+          </p:cNvPr>
+          <p:cNvSpPr>
+            <a:spLocks noGrp="1"/>
+          </p:cNvSpPr>
+          <p:nvPr>
+            <p:ph type="title"/>
+          </p:nvPr>
+        </p:nvSpPr>
+        <p:spPr/>
+        <p:txBody>
+          <a:bodyPr/>
+          <a:lstStyle/>
+          <a:p>
+            <a:r>
+              <a:rPr lang="de-DE" dirty="0">
+                <a:latin typeface="Times New Roman" panose="02020603050405020304" pitchFamily="18" charset="0"/>
+                <a:cs typeface="Times New Roman" panose="02020603050405020304" pitchFamily="18" charset="0"/>
+              </a:rPr>
+              <a:t>Meeting</a:t>
+            </a:r>
+          </a:p>
+        </p:txBody>
+      </p:sp>
+      <p:sp>
+        <p:nvSpPr>
+          <p:cNvPr id="3" name="Inhaltsplatzhalter 2">
+            <a:extLst>
+              <a:ext uri="{FF2B5EF4-FFF2-40B4-BE49-F238E27FC236}">
+                <a16:creationId xmlns:a16="http://schemas.microsoft.com/office/drawing/2014/main" id="{99FF27B4-8CF0-4C28-AB96-AFC7511E6736}"/>
+              </a:ext>
+            </a:extLst>
+          </p:cNvPr>
+          <p:cNvSpPr>
+            <a:spLocks noGrp="1"/>
+          </p:cNvSpPr>
+          <p:nvPr>
+            <p:ph idx="1"/>
+          </p:nvPr>
+        </p:nvSpPr>
+        <p:spPr/>
+        <p:txBody>
+          <a:bodyPr>
+            <a:normAutofit/>
+          </a:bodyPr>
+          <a:lstStyle/>
+          <a:p>
+            <a:pPr marL="0" indent="0">
+              <a:buNone/>
+            </a:pPr>
+            <a:r>
+              <a:rPr lang="de-DE" sz="2200" b="1" dirty="0">
+                <a:latin typeface="Times New Roman" panose="02020603050405020304" pitchFamily="18" charset="0"/>
+                <a:cs typeface="Times New Roman" panose="02020603050405020304" pitchFamily="18" charset="0"/>
+              </a:rPr>
+              <a:t>Sprint Retrospektive</a:t>
+            </a:r>
+          </a:p>
+          <a:p>
+            <a:pPr>
+              <a:buFont typeface="Wingdings" panose="05000000000000000000" pitchFamily="2" charset="2"/>
+              <a:buChar char="Ø"/>
+            </a:pPr>
+            <a:r>
+              <a:rPr lang="de-DE" sz="2200" dirty="0">
+                <a:latin typeface="Times New Roman" panose="02020603050405020304" pitchFamily="18" charset="0"/>
+                <a:cs typeface="Times New Roman" panose="02020603050405020304" pitchFamily="18" charset="0"/>
+              </a:rPr>
+              <a:t>Nur das komplette </a:t>
+            </a:r>
+            <a:r>
+              <a:rPr lang="de-DE" sz="2200" dirty="0" err="1">
+                <a:latin typeface="Times New Roman" panose="02020603050405020304" pitchFamily="18" charset="0"/>
+                <a:cs typeface="Times New Roman" panose="02020603050405020304" pitchFamily="18" charset="0"/>
+              </a:rPr>
+              <a:t>Scrum</a:t>
+            </a:r>
+            <a:r>
+              <a:rPr lang="de-DE" sz="2200" dirty="0">
+                <a:latin typeface="Times New Roman" panose="02020603050405020304" pitchFamily="18" charset="0"/>
+                <a:cs typeface="Times New Roman" panose="02020603050405020304" pitchFamily="18" charset="0"/>
+              </a:rPr>
+              <a:t>-Team nimmt an dem Meeting teil</a:t>
+            </a:r>
+          </a:p>
+          <a:p>
+            <a:pPr>
+              <a:buFont typeface="Wingdings" panose="05000000000000000000" pitchFamily="2" charset="2"/>
+              <a:buChar char="Ø"/>
+            </a:pPr>
+            <a:r>
+              <a:rPr lang="de-DE" sz="2200" dirty="0">
+                <a:latin typeface="Times New Roman" panose="02020603050405020304" pitchFamily="18" charset="0"/>
+                <a:cs typeface="Times New Roman" panose="02020603050405020304" pitchFamily="18" charset="0"/>
+              </a:rPr>
+              <a:t>Der </a:t>
+            </a:r>
+            <a:r>
+              <a:rPr lang="de-DE" sz="2200" dirty="0" err="1">
+                <a:latin typeface="Times New Roman" panose="02020603050405020304" pitchFamily="18" charset="0"/>
+                <a:cs typeface="Times New Roman" panose="02020603050405020304" pitchFamily="18" charset="0"/>
+              </a:rPr>
+              <a:t>Scrum</a:t>
+            </a:r>
+            <a:r>
+              <a:rPr lang="de-DE" sz="2200" dirty="0">
+                <a:latin typeface="Times New Roman" panose="02020603050405020304" pitchFamily="18" charset="0"/>
+                <a:cs typeface="Times New Roman" panose="02020603050405020304" pitchFamily="18" charset="0"/>
+              </a:rPr>
+              <a:t> Master organisiert und leitet das Meeting als gleichberechtigter Teilnehmer an</a:t>
+            </a:r>
+          </a:p>
+          <a:p>
+            <a:pPr>
+              <a:buFont typeface="Wingdings" panose="05000000000000000000" pitchFamily="2" charset="2"/>
+              <a:buChar char="Ø"/>
+            </a:pPr>
+            <a:r>
+              <a:rPr lang="de-DE" sz="2200" dirty="0">
+                <a:latin typeface="Times New Roman" panose="02020603050405020304" pitchFamily="18" charset="0"/>
+                <a:cs typeface="Times New Roman" panose="02020603050405020304" pitchFamily="18" charset="0"/>
+              </a:rPr>
+              <a:t>Ziel: Rückblick auf den Verlauf des vorherigen Sprints</a:t>
+            </a:r>
+          </a:p>
+          <a:p>
+            <a:pPr lvl="1">
+              <a:buFont typeface="Wingdings" panose="05000000000000000000" pitchFamily="2" charset="2"/>
+              <a:buChar char="Ø"/>
+            </a:pPr>
+            <a:r>
+              <a:rPr lang="de-DE" sz="2000" dirty="0">
+                <a:latin typeface="Times New Roman" panose="02020603050405020304" pitchFamily="18" charset="0"/>
+                <a:cs typeface="Times New Roman" panose="02020603050405020304" pitchFamily="18" charset="0"/>
+              </a:rPr>
+              <a:t>Mitarbeit</a:t>
+            </a:r>
+          </a:p>
+          <a:p>
+            <a:pPr lvl="1">
+              <a:buFont typeface="Wingdings" panose="05000000000000000000" pitchFamily="2" charset="2"/>
+              <a:buChar char="Ø"/>
+            </a:pPr>
+            <a:r>
+              <a:rPr lang="de-DE" sz="2000" dirty="0">
+                <a:latin typeface="Times New Roman" panose="02020603050405020304" pitchFamily="18" charset="0"/>
+                <a:cs typeface="Times New Roman" panose="02020603050405020304" pitchFamily="18" charset="0"/>
+              </a:rPr>
+              <a:t>Verhältnis zwischen den Teammitgliedern </a:t>
+            </a:r>
+            <a:r>
+              <a:rPr lang="de-DE" sz="2000" dirty="0">
+                <a:latin typeface="Times New Roman" panose="02020603050405020304" pitchFamily="18" charset="0"/>
+                <a:cs typeface="Times New Roman" panose="02020603050405020304" pitchFamily="18" charset="0"/>
+                <a:sym typeface="Wingdings" panose="05000000000000000000" pitchFamily="2" charset="2"/>
+              </a:rPr>
+              <a:t> Verbesserung Teamarbeit</a:t>
+            </a:r>
+            <a:endParaRPr lang="de-DE" sz="2000" dirty="0">
+              <a:latin typeface="Times New Roman" panose="02020603050405020304" pitchFamily="18" charset="0"/>
+              <a:cs typeface="Times New Roman" panose="02020603050405020304" pitchFamily="18" charset="0"/>
+            </a:endParaRPr>
+          </a:p>
+          <a:p>
+            <a:pPr lvl="1">
+              <a:buFont typeface="Wingdings" panose="05000000000000000000" pitchFamily="2" charset="2"/>
+              <a:buChar char="Ø"/>
+            </a:pPr>
+            <a:r>
+              <a:rPr lang="de-DE" sz="2000" dirty="0">
+                <a:latin typeface="Times New Roman" panose="02020603050405020304" pitchFamily="18" charset="0"/>
+                <a:cs typeface="Times New Roman" panose="02020603050405020304" pitchFamily="18" charset="0"/>
+              </a:rPr>
+              <a:t>Prozess</a:t>
+            </a:r>
+          </a:p>
+        </p:txBody>
+      </p:sp>
+      <p:pic>
+        <p:nvPicPr>
+          <p:cNvPr id="4" name="Grafik 3" descr="Ein Bild, das Möbel, Tisch, Sitz, Stuhl enthält.&#10;&#10;Automatisch generierte Beschreibung">
+            <a:extLst>
+              <a:ext uri="{FF2B5EF4-FFF2-40B4-BE49-F238E27FC236}">
+                <a16:creationId xmlns:a16="http://schemas.microsoft.com/office/drawing/2014/main" id="{81F003A9-5149-4DE6-BBEE-DF749FD61218}"/>
+              </a:ext>
+            </a:extLst>
+          </p:cNvPr>
+          <p:cNvPicPr>
+            <a:picLocks noChangeAspect="1"/>
+          </p:cNvPicPr>
+          <p:nvPr/>
+        </p:nvPicPr>
+        <p:blipFill rotWithShape="1">
+          <a:blip r:embed="rId3">
+            <a:extLst>
+              <a:ext uri="{28A0092B-C50C-407E-A947-70E740481C1C}">
+                <a14:useLocalDpi xmlns:a14="http://schemas.microsoft.com/office/drawing/2010/main" val="0"/>
+              </a:ext>
+            </a:extLst>
+          </a:blip>
+          <a:srcRect l="26363" t="6383" r="25273" b="16121"/>
+          <a:stretch/>
+        </p:blipFill>
+        <p:spPr>
+          <a:xfrm>
+            <a:off x="9559622" y="454430"/>
+            <a:ext cx="1832278" cy="1651461"/>
+          </a:xfrm>
+          <a:prstGeom prst="roundRect">
+            <a:avLst>
+              <a:gd name="adj" fmla="val 16667"/>
+            </a:avLst>
+          </a:prstGeom>
+          <a:ln>
+            <a:noFill/>
+          </a:ln>
+          <a:effectLst>
+            <a:outerShdw blurRad="76200" dist="38100" dir="7800000" algn="tl" rotWithShape="0">
+              <a:srgbClr val="000000">
+                <a:alpha val="40000"/>
+              </a:srgbClr>
+            </a:outerShdw>
+          </a:effectLst>
+          <a:scene3d>
+            <a:camera prst="orthographicFront"/>
+            <a:lightRig rig="contrasting" dir="t">
+              <a:rot lat="0" lon="0" rev="4200000"/>
+            </a:lightRig>
+          </a:scene3d>
+          <a:sp3d prstMaterial="plastic">
+            <a:bevelT w="381000" h="114300" prst="relaxedInset"/>
+            <a:contourClr>
+              <a:srgbClr val="969696"/>
+            </a:contourClr>
+          </a:sp3d>
+        </p:spPr>
+      </p:pic>
+    </p:spTree>
+    <p:extLst>
+      <p:ext uri="{BB962C8B-B14F-4D97-AF65-F5344CB8AC3E}">
+        <p14:creationId xmlns:p14="http://schemas.microsoft.com/office/powerpoint/2010/main" val="3528075734"/>
+      </p:ext>
+    </p:extLst>
+  </p:cSld>
+  <p:clrMapOvr>
+    <a:masterClrMapping/>
+  </p:clrMapOvr>
+</p:sld>
+</file>
+
+<file path=ppt/slides/slide23.xml><?xml version="1.0" encoding="utf-8"?>
+<p:sld xmlns:a="http://schemas.openxmlformats.org/drawingml/2006/main" xmlns:r="http://schemas.openxmlformats.org/officeDocument/2006/relationships" xmlns:p="http://schemas.openxmlformats.org/presentationml/2006/main">
+  <p:cSld>
+    <p:bg>
+      <p:bgPr>
+        <a:solidFill>
+          <a:srgbClr val="C9BC9C">
+            <a:alpha val="50000"/>
+          </a:srgbClr>
+        </a:solidFill>
+        <a:effectLst/>
+      </p:bgPr>
+    </p:bg>
+    <p:spTree>
+      <p:nvGrpSpPr>
+        <p:cNvPr id="1" name=""/>
+        <p:cNvGrpSpPr/>
+        <p:nvPr/>
+      </p:nvGrpSpPr>
+      <p:grpSpPr>
+        <a:xfrm>
+          <a:off x="0" y="0"/>
+          <a:ext cx="0" cy="0"/>
+          <a:chOff x="0" y="0"/>
+          <a:chExt cx="0" cy="0"/>
+        </a:xfrm>
+      </p:grpSpPr>
+      <p:sp>
+        <p:nvSpPr>
+          <p:cNvPr id="7" name="Titel 6">
+            <a:extLst>
+              <a:ext uri="{FF2B5EF4-FFF2-40B4-BE49-F238E27FC236}">
+                <a16:creationId xmlns:a16="http://schemas.microsoft.com/office/drawing/2014/main" id="{AF476DC5-1A8D-4EA9-AD20-2E08EF522884}"/>
+              </a:ext>
+            </a:extLst>
+          </p:cNvPr>
+          <p:cNvSpPr>
+            <a:spLocks noGrp="1"/>
+          </p:cNvSpPr>
+          <p:nvPr>
+            <p:ph type="title"/>
+          </p:nvPr>
+        </p:nvSpPr>
+        <p:spPr>
+          <a:xfrm>
+            <a:off x="678426" y="781665"/>
+            <a:ext cx="5044135" cy="1223452"/>
+          </a:xfrm>
+        </p:spPr>
+        <p:txBody>
+          <a:bodyPr>
+            <a:normAutofit/>
+          </a:bodyPr>
+          <a:lstStyle/>
+          <a:p>
+            <a:r>
+              <a:rPr lang="de-DE" sz="4000" dirty="0">
+                <a:latin typeface="Times New Roman" panose="02020603050405020304" pitchFamily="18" charset="0"/>
+                <a:cs typeface="Times New Roman" panose="02020603050405020304" pitchFamily="18" charset="0"/>
+              </a:rPr>
+              <a:t>Unser Vorgehen</a:t>
+            </a:r>
+          </a:p>
+        </p:txBody>
+      </p:sp>
+      <p:sp>
+        <p:nvSpPr>
+          <p:cNvPr id="9" name="Textplatzhalter 8">
+            <a:extLst>
+              <a:ext uri="{FF2B5EF4-FFF2-40B4-BE49-F238E27FC236}">
+                <a16:creationId xmlns:a16="http://schemas.microsoft.com/office/drawing/2014/main" id="{99935FB8-E98C-484E-B160-B68915885EFC}"/>
+              </a:ext>
+            </a:extLst>
+          </p:cNvPr>
+          <p:cNvSpPr>
+            <a:spLocks noGrp="1"/>
+          </p:cNvSpPr>
+          <p:nvPr>
+            <p:ph type="body" sz="half" idx="2"/>
+          </p:nvPr>
+        </p:nvSpPr>
+        <p:spPr/>
+        <p:txBody>
+          <a:bodyPr/>
+          <a:lstStyle/>
+          <a:p>
+            <a:pPr marL="285750" indent="-285750">
+              <a:buFont typeface="Wingdings" panose="05000000000000000000" pitchFamily="2" charset="2"/>
+              <a:buChar char="Ø"/>
+            </a:pPr>
+            <a:r>
+              <a:rPr lang="de-DE" sz="2200" dirty="0" err="1">
+                <a:latin typeface="Times New Roman" panose="02020603050405020304" pitchFamily="18" charset="0"/>
+                <a:cs typeface="Times New Roman" panose="02020603050405020304" pitchFamily="18" charset="0"/>
+              </a:rPr>
+              <a:t>Scrum</a:t>
+            </a:r>
+            <a:r>
+              <a:rPr lang="de-DE" sz="2200" dirty="0">
+                <a:latin typeface="Times New Roman" panose="02020603050405020304" pitchFamily="18" charset="0"/>
+                <a:cs typeface="Times New Roman" panose="02020603050405020304" pitchFamily="18" charset="0"/>
+              </a:rPr>
+              <a:t> Rollen nicht zu 100 % eingehalten</a:t>
+            </a:r>
+          </a:p>
+          <a:p>
+            <a:pPr marL="285750" indent="-285750">
+              <a:buFont typeface="Wingdings" panose="05000000000000000000" pitchFamily="2" charset="2"/>
+              <a:buChar char="Ø"/>
+            </a:pPr>
+            <a:r>
+              <a:rPr lang="de-DE" sz="2200" dirty="0">
+                <a:latin typeface="Times New Roman" panose="02020603050405020304" pitchFamily="18" charset="0"/>
+                <a:cs typeface="Times New Roman" panose="02020603050405020304" pitchFamily="18" charset="0"/>
+              </a:rPr>
+              <a:t>Wechsel der Rollen im Team</a:t>
+            </a:r>
+          </a:p>
+          <a:p>
+            <a:pPr marL="285750" indent="-285750">
+              <a:buFont typeface="Wingdings" panose="05000000000000000000" pitchFamily="2" charset="2"/>
+              <a:buChar char="Ø"/>
+            </a:pPr>
+            <a:r>
+              <a:rPr lang="de-DE" sz="2200" dirty="0">
+                <a:latin typeface="Times New Roman" panose="02020603050405020304" pitchFamily="18" charset="0"/>
+                <a:cs typeface="Times New Roman" panose="02020603050405020304" pitchFamily="18" charset="0"/>
+              </a:rPr>
+              <a:t>Wöchentliche Meetings über </a:t>
+            </a:r>
+            <a:r>
+              <a:rPr lang="de-DE" sz="2200" dirty="0" err="1">
+                <a:latin typeface="Times New Roman" panose="02020603050405020304" pitchFamily="18" charset="0"/>
+                <a:cs typeface="Times New Roman" panose="02020603050405020304" pitchFamily="18" charset="0"/>
+              </a:rPr>
+              <a:t>Discord</a:t>
+            </a:r>
+            <a:endParaRPr lang="de-DE" sz="2200" dirty="0">
+              <a:latin typeface="Times New Roman" panose="02020603050405020304" pitchFamily="18" charset="0"/>
+              <a:cs typeface="Times New Roman" panose="02020603050405020304" pitchFamily="18" charset="0"/>
+            </a:endParaRPr>
+          </a:p>
+        </p:txBody>
+      </p:sp>
+      <p:pic>
+        <p:nvPicPr>
+          <p:cNvPr id="10" name="Inhaltsplatzhalter 9">
+            <a:extLst>
+              <a:ext uri="{FF2B5EF4-FFF2-40B4-BE49-F238E27FC236}">
+                <a16:creationId xmlns:a16="http://schemas.microsoft.com/office/drawing/2014/main" id="{78EE4CB7-EE66-4EE1-9203-9B9116C0EE41}"/>
+              </a:ext>
+            </a:extLst>
+          </p:cNvPr>
+          <p:cNvPicPr>
+            <a:picLocks noGrp="1" noChangeAspect="1"/>
+          </p:cNvPicPr>
+          <p:nvPr>
+            <p:ph idx="1"/>
+          </p:nvPr>
+        </p:nvPicPr>
+        <p:blipFill>
+          <a:blip r:embed="rId3">
+            <a:extLst>
+              <a:ext uri="{28A0092B-C50C-407E-A947-70E740481C1C}">
+                <a14:useLocalDpi xmlns:a14="http://schemas.microsoft.com/office/drawing/2010/main" val="0"/>
+              </a:ext>
+            </a:extLst>
+          </a:blip>
+          <a:stretch>
+            <a:fillRect/>
+          </a:stretch>
+        </p:blipFill>
+        <p:spPr>
+          <a:xfrm>
+            <a:off x="6469441" y="1545281"/>
+            <a:ext cx="4603113" cy="4607011"/>
+          </a:xfrm>
+          <a:prstGeom prst="rect">
+            <a:avLst/>
+          </a:prstGeom>
+        </p:spPr>
+      </p:pic>
+    </p:spTree>
+    <p:extLst>
+      <p:ext uri="{BB962C8B-B14F-4D97-AF65-F5344CB8AC3E}">
+        <p14:creationId xmlns:p14="http://schemas.microsoft.com/office/powerpoint/2010/main" val="3098232637"/>
+      </p:ext>
+    </p:extLst>
+  </p:cSld>
+  <p:clrMapOvr>
+    <a:masterClrMapping/>
+  </p:clrMapOvr>
+</p:sld>
+</file>
+
+<file path=ppt/slides/slide24.xml><?xml version="1.0" encoding="utf-8"?>
+<p:sld xmlns:a="http://schemas.openxmlformats.org/drawingml/2006/main" xmlns:r="http://schemas.openxmlformats.org/officeDocument/2006/relationships" xmlns:p="http://schemas.openxmlformats.org/presentationml/2006/main">
+  <p:cSld>
+    <p:bg>
+      <p:bgPr>
+        <a:solidFill>
+          <a:srgbClr val="C9BC9C">
+            <a:alpha val="50000"/>
+          </a:srgbClr>
+        </a:solidFill>
+        <a:effectLst/>
+      </p:bgPr>
+    </p:bg>
+    <p:spTree>
+      <p:nvGrpSpPr>
+        <p:cNvPr id="1" name=""/>
+        <p:cNvGrpSpPr/>
+        <p:nvPr/>
+      </p:nvGrpSpPr>
+      <p:grpSpPr>
+        <a:xfrm>
+          <a:off x="0" y="0"/>
+          <a:ext cx="0" cy="0"/>
+          <a:chOff x="0" y="0"/>
+          <a:chExt cx="0" cy="0"/>
+        </a:xfrm>
+      </p:grpSpPr>
+      <p:sp>
+        <p:nvSpPr>
           <p:cNvPr id="5" name="Titel 4">
             <a:extLst>
               <a:ext uri="{FF2B5EF4-FFF2-40B4-BE49-F238E27FC236}">
@@ -9330,7 +10754,7 @@
 </p:sld>
 </file>
 
-<file path=ppt/slides/slide21.xml><?xml version="1.0" encoding="utf-8"?>
+<file path=ppt/slides/slide25.xml><?xml version="1.0" encoding="utf-8"?>
 <p:sld xmlns:a="http://schemas.openxmlformats.org/drawingml/2006/main" xmlns:r="http://schemas.openxmlformats.org/officeDocument/2006/relationships" xmlns:p="http://schemas.openxmlformats.org/presentationml/2006/main">
   <p:cSld>
     <p:bg>
